--- a/documents/ProgressiveWebApps.pptx
+++ b/documents/ProgressiveWebApps.pptx
@@ -4201,15 +4201,7 @@
         <a:p>
           <a:r>
             <a:rPr lang="en-US" dirty="0" smtClean="0"/>
-            <a:t>A script that browser </a:t>
-          </a:r>
-          <a:r>
-            <a:rPr lang="en-US" dirty="0" smtClean="0"/>
-            <a:t>runs in </a:t>
-          </a:r>
-          <a:r>
-            <a:rPr lang="en-US" dirty="0" smtClean="0"/>
-            <a:t>the background, separate from the web page.</a:t>
+            <a:t>A script that browser runs in the background, separate from the web page.</a:t>
           </a:r>
           <a:endParaRPr lang="en-US" dirty="0"/>
         </a:p>
@@ -6291,15 +6283,7 @@
           </a:pPr>
           <a:r>
             <a:rPr lang="en-US" sz="3700" kern="1200" dirty="0" smtClean="0"/>
-            <a:t>A script that browser </a:t>
-          </a:r>
-          <a:r>
-            <a:rPr lang="en-US" sz="3700" kern="1200" dirty="0" smtClean="0"/>
-            <a:t>runs in </a:t>
-          </a:r>
-          <a:r>
-            <a:rPr lang="en-US" sz="3700" kern="1200" dirty="0" smtClean="0"/>
-            <a:t>the background, separate from the web page.</a:t>
+            <a:t>A script that browser runs in the background, separate from the web page.</a:t>
           </a:r>
           <a:endParaRPr lang="en-US" sz="3700" kern="1200" dirty="0"/>
         </a:p>
@@ -12425,7 +12409,7 @@
           <a:p>
             <a:fld id="{11BBA79A-D45F-764D-B463-2ECDD651B7E6}" type="datetimeFigureOut">
               <a:rPr lang="en-US" smtClean="0"/>
-              <a:t>12/5/2016</a:t>
+              <a:t>1/10/2017</a:t>
             </a:fld>
             <a:endParaRPr lang="en-US"/>
           </a:p>
@@ -12908,7 +12892,7 @@
           <a:p>
             <a:fld id="{94ACCFC5-6D7B-3340-8CE2-2CF43E261BEF}" type="datetimeFigureOut">
               <a:rPr lang="en-US" smtClean="0"/>
-              <a:t>12/5/2016</a:t>
+              <a:t>1/10/2017</a:t>
             </a:fld>
             <a:endParaRPr lang="en-US"/>
           </a:p>
@@ -13078,7 +13062,7 @@
           <a:p>
             <a:fld id="{94ACCFC5-6D7B-3340-8CE2-2CF43E261BEF}" type="datetimeFigureOut">
               <a:rPr lang="en-US" smtClean="0"/>
-              <a:t>12/5/2016</a:t>
+              <a:t>1/10/2017</a:t>
             </a:fld>
             <a:endParaRPr lang="en-US"/>
           </a:p>
@@ -13258,7 +13242,7 @@
           <a:p>
             <a:fld id="{94ACCFC5-6D7B-3340-8CE2-2CF43E261BEF}" type="datetimeFigureOut">
               <a:rPr lang="en-US" smtClean="0"/>
-              <a:t>12/5/2016</a:t>
+              <a:t>1/10/2017</a:t>
             </a:fld>
             <a:endParaRPr lang="en-US"/>
           </a:p>
@@ -13428,7 +13412,7 @@
           <a:p>
             <a:fld id="{94ACCFC5-6D7B-3340-8CE2-2CF43E261BEF}" type="datetimeFigureOut">
               <a:rPr lang="en-US" smtClean="0"/>
-              <a:t>12/5/2016</a:t>
+              <a:t>1/10/2017</a:t>
             </a:fld>
             <a:endParaRPr lang="en-US"/>
           </a:p>
@@ -13674,7 +13658,7 @@
           <a:p>
             <a:fld id="{94ACCFC5-6D7B-3340-8CE2-2CF43E261BEF}" type="datetimeFigureOut">
               <a:rPr lang="en-US" smtClean="0"/>
-              <a:t>12/5/2016</a:t>
+              <a:t>1/10/2017</a:t>
             </a:fld>
             <a:endParaRPr lang="en-US"/>
           </a:p>
@@ -13906,7 +13890,7 @@
           <a:p>
             <a:fld id="{94ACCFC5-6D7B-3340-8CE2-2CF43E261BEF}" type="datetimeFigureOut">
               <a:rPr lang="en-US" smtClean="0"/>
-              <a:t>12/5/2016</a:t>
+              <a:t>1/10/2017</a:t>
             </a:fld>
             <a:endParaRPr lang="en-US"/>
           </a:p>
@@ -14273,7 +14257,7 @@
           <a:p>
             <a:fld id="{94ACCFC5-6D7B-3340-8CE2-2CF43E261BEF}" type="datetimeFigureOut">
               <a:rPr lang="en-US" smtClean="0"/>
-              <a:t>12/5/2016</a:t>
+              <a:t>1/10/2017</a:t>
             </a:fld>
             <a:endParaRPr lang="en-US"/>
           </a:p>
@@ -14391,7 +14375,7 @@
           <a:p>
             <a:fld id="{94ACCFC5-6D7B-3340-8CE2-2CF43E261BEF}" type="datetimeFigureOut">
               <a:rPr lang="en-US" smtClean="0"/>
-              <a:t>12/5/2016</a:t>
+              <a:t>1/10/2017</a:t>
             </a:fld>
             <a:endParaRPr lang="en-US"/>
           </a:p>
@@ -14486,7 +14470,7 @@
           <a:p>
             <a:fld id="{94ACCFC5-6D7B-3340-8CE2-2CF43E261BEF}" type="datetimeFigureOut">
               <a:rPr lang="en-US" smtClean="0"/>
-              <a:t>12/5/2016</a:t>
+              <a:t>1/10/2017</a:t>
             </a:fld>
             <a:endParaRPr lang="en-US"/>
           </a:p>
@@ -14763,7 +14747,7 @@
           <a:p>
             <a:fld id="{94ACCFC5-6D7B-3340-8CE2-2CF43E261BEF}" type="datetimeFigureOut">
               <a:rPr lang="en-US" smtClean="0"/>
-              <a:t>12/5/2016</a:t>
+              <a:t>1/10/2017</a:t>
             </a:fld>
             <a:endParaRPr lang="en-US"/>
           </a:p>
@@ -15016,7 +15000,7 @@
           <a:p>
             <a:fld id="{94ACCFC5-6D7B-3340-8CE2-2CF43E261BEF}" type="datetimeFigureOut">
               <a:rPr lang="en-US" smtClean="0"/>
-              <a:t>12/5/2016</a:t>
+              <a:t>1/10/2017</a:t>
             </a:fld>
             <a:endParaRPr lang="en-US"/>
           </a:p>
@@ -15229,7 +15213,7 @@
           <a:p>
             <a:fld id="{94ACCFC5-6D7B-3340-8CE2-2CF43E261BEF}" type="datetimeFigureOut">
               <a:rPr lang="en-US" smtClean="0"/>
-              <a:t>12/5/2016</a:t>
+              <a:t>1/10/2017</a:t>
             </a:fld>
             <a:endParaRPr lang="en-US"/>
           </a:p>
@@ -19942,7 +19926,7 @@
         <p:spPr/>
         <p:txBody>
           <a:bodyPr>
-            <a:normAutofit fontScale="92500" lnSpcReduction="10000"/>
+            <a:normAutofit lnSpcReduction="10000"/>
           </a:bodyPr>
           <a:lstStyle/>
           <a:p>
@@ -19952,8 +19936,13 @@
                   <a:srgbClr val="0070C0"/>
                 </a:solidFill>
               </a:rPr>
-              <a:t>What is “self”?</a:t>
+              <a:t>Are service workers secure?</a:t>
             </a:r>
+            <a:endParaRPr lang="en-US" dirty="0" smtClean="0">
+              <a:solidFill>
+                <a:srgbClr val="0070C0"/>
+              </a:solidFill>
+            </a:endParaRPr>
           </a:p>
           <a:p>
             <a:r>
@@ -19972,7 +19961,23 @@
                   <a:srgbClr val="0070C0"/>
                 </a:solidFill>
               </a:rPr>
-              <a:t>How do we use service workers to develop PWA?</a:t>
+              <a:t>What is the role of service worker in </a:t>
+            </a:r>
+            <a:r>
+              <a:rPr lang="en-US" dirty="0" smtClean="0">
+                <a:solidFill>
+                  <a:srgbClr val="0070C0"/>
+                </a:solidFill>
+              </a:rPr>
+              <a:t>PWA</a:t>
+            </a:r>
+            <a:r>
+              <a:rPr lang="en-US" dirty="0" smtClean="0">
+                <a:solidFill>
+                  <a:srgbClr val="0070C0"/>
+                </a:solidFill>
+              </a:rPr>
+              <a:t>?</a:t>
             </a:r>
           </a:p>
           <a:p>
@@ -19982,17 +19987,47 @@
                   <a:srgbClr val="0070C0"/>
                 </a:solidFill>
               </a:rPr>
-              <a:t>What are the common/known issues we face with service workers?</a:t>
+              <a:t>What are the common/known </a:t>
             </a:r>
-          </a:p>
-          <a:p>
             <a:r>
               <a:rPr lang="en-US" dirty="0" smtClean="0">
                 <a:solidFill>
                   <a:srgbClr val="0070C0"/>
                 </a:solidFill>
               </a:rPr>
-              <a:t>Is it reliable?</a:t>
+              <a:t>issues with </a:t>
+            </a:r>
+            <a:r>
+              <a:rPr lang="en-US" dirty="0" smtClean="0">
+                <a:solidFill>
+                  <a:srgbClr val="0070C0"/>
+                </a:solidFill>
+              </a:rPr>
+              <a:t>service </a:t>
+            </a:r>
+            <a:r>
+              <a:rPr lang="en-US" smtClean="0">
+                <a:solidFill>
+                  <a:srgbClr val="0070C0"/>
+                </a:solidFill>
+              </a:rPr>
+              <a:t>workers</a:t>
+            </a:r>
+            <a:r>
+              <a:rPr lang="en-US" smtClean="0">
+                <a:solidFill>
+                  <a:srgbClr val="0070C0"/>
+                </a:solidFill>
+              </a:rPr>
+              <a:t>?</a:t>
+            </a:r>
+            <a:r>
+              <a:rPr lang="en-US" dirty="0" smtClean="0">
+                <a:solidFill>
+                  <a:srgbClr val="0070C0"/>
+                </a:solidFill>
+              </a:rPr>
+              <a:t/>
             </a:r>
             <a:br>
               <a:rPr lang="en-US" dirty="0" smtClean="0">
@@ -20394,67 +20429,6 @@
                                           <p:spTgt spid="3">
                                             <p:txEl>
                                               <p:pRg st="4" end="4"/>
-                                            </p:txEl>
-                                          </p:spTgt>
-                                        </p:tgtEl>
-                                      </p:cBhvr>
-                                    </p:animEffect>
-                                  </p:childTnLst>
-                                </p:cTn>
-                              </p:par>
-                            </p:childTnLst>
-                          </p:cTn>
-                        </p:par>
-                      </p:childTnLst>
-                    </p:cTn>
-                  </p:par>
-                  <p:par>
-                    <p:cTn id="28" fill="hold">
-                      <p:stCondLst>
-                        <p:cond delay="indefinite"/>
-                      </p:stCondLst>
-                      <p:childTnLst>
-                        <p:par>
-                          <p:cTn id="29" fill="hold">
-                            <p:stCondLst>
-                              <p:cond delay="0"/>
-                            </p:stCondLst>
-                            <p:childTnLst>
-                              <p:par>
-                                <p:cTn id="30" presetID="10" presetClass="entr" presetSubtype="0" fill="hold" grpId="0" nodeType="clickEffect">
-                                  <p:stCondLst>
-                                    <p:cond delay="0"/>
-                                  </p:stCondLst>
-                                  <p:childTnLst>
-                                    <p:set>
-                                      <p:cBhvr>
-                                        <p:cTn id="31" dur="1" fill="hold">
-                                          <p:stCondLst>
-                                            <p:cond delay="0"/>
-                                          </p:stCondLst>
-                                        </p:cTn>
-                                        <p:tgtEl>
-                                          <p:spTgt spid="3">
-                                            <p:txEl>
-                                              <p:pRg st="5" end="5"/>
-                                            </p:txEl>
-                                          </p:spTgt>
-                                        </p:tgtEl>
-                                        <p:attrNameLst>
-                                          <p:attrName>style.visibility</p:attrName>
-                                        </p:attrNameLst>
-                                      </p:cBhvr>
-                                      <p:to>
-                                        <p:strVal val="visible"/>
-                                      </p:to>
-                                    </p:set>
-                                    <p:animEffect transition="in" filter="fade">
-                                      <p:cBhvr>
-                                        <p:cTn id="32" dur="250"/>
-                                        <p:tgtEl>
-                                          <p:spTgt spid="3">
-                                            <p:txEl>
-                                              <p:pRg st="5" end="5"/>
                                             </p:txEl>
                                           </p:spTgt>
                                         </p:tgtEl>
@@ -20952,15 +20926,7 @@
                   <a:srgbClr val="0070C0"/>
                 </a:solidFill>
               </a:rPr>
-              <a:t>A promise represents a value which may be available now, or in future, or </a:t>
-            </a:r>
-            <a:r>
-              <a:rPr lang="en-US" dirty="0" smtClean="0">
-                <a:solidFill>
-                  <a:srgbClr val="0070C0"/>
-                </a:solidFill>
-              </a:rPr>
-              <a:t>never</a:t>
+              <a:t>A promise represents a value which may be available now, or in future, or never</a:t>
             </a:r>
           </a:p>
           <a:p>
@@ -21025,11 +20991,6 @@
               </a:rPr>
               <a:t>Rejected</a:t>
             </a:r>
-            <a:endParaRPr lang="en-US" dirty="0" smtClean="0">
-              <a:solidFill>
-                <a:srgbClr val="0070C0"/>
-              </a:solidFill>
-            </a:endParaRPr>
           </a:p>
           <a:p>
             <a:r>
@@ -21038,53 +20999,8 @@
                   <a:srgbClr val="0070C0"/>
                 </a:solidFill>
               </a:rPr>
-              <a:t>A promise is executed </a:t>
+              <a:t>A promise is executed just once, and it can end up either in fulfilled or rejected state</a:t>
             </a:r>
-            <a:r>
-              <a:rPr lang="en-US" dirty="0" smtClean="0">
-                <a:solidFill>
-                  <a:srgbClr val="0070C0"/>
-                </a:solidFill>
-              </a:rPr>
-              <a:t>just once</a:t>
-            </a:r>
-            <a:r>
-              <a:rPr lang="en-US" dirty="0" smtClean="0">
-                <a:solidFill>
-                  <a:srgbClr val="0070C0"/>
-                </a:solidFill>
-              </a:rPr>
-              <a:t>, and it can end up either in </a:t>
-            </a:r>
-            <a:r>
-              <a:rPr lang="en-US" dirty="0" smtClean="0">
-                <a:solidFill>
-                  <a:srgbClr val="0070C0"/>
-                </a:solidFill>
-              </a:rPr>
-              <a:t>fulfilled or </a:t>
-            </a:r>
-            <a:r>
-              <a:rPr lang="en-US" dirty="0" smtClean="0">
-                <a:solidFill>
-                  <a:srgbClr val="0070C0"/>
-                </a:solidFill>
-              </a:rPr>
-              <a:t>rejected </a:t>
-            </a:r>
-            <a:r>
-              <a:rPr lang="en-US" dirty="0" smtClean="0">
-                <a:solidFill>
-                  <a:srgbClr val="0070C0"/>
-                </a:solidFill>
-              </a:rPr>
-              <a:t>state</a:t>
-            </a:r>
-            <a:endParaRPr lang="en-US" dirty="0" smtClean="0">
-              <a:solidFill>
-                <a:srgbClr val="0070C0"/>
-              </a:solidFill>
-            </a:endParaRPr>
           </a:p>
         </p:txBody>
       </p:sp>
@@ -21735,37 +21651,8 @@
                   <a:srgbClr val="0070C0"/>
                 </a:solidFill>
               </a:rPr>
-              <a:t>R</a:t>
+              <a:t>Reduces boilerplate code</a:t>
             </a:r>
-            <a:r>
-              <a:rPr lang="en-US" dirty="0" smtClean="0">
-                <a:solidFill>
-                  <a:srgbClr val="0070C0"/>
-                </a:solidFill>
-              </a:rPr>
-              <a:t>educes </a:t>
-            </a:r>
-            <a:r>
-              <a:rPr lang="en-US" dirty="0" smtClean="0">
-                <a:solidFill>
-                  <a:srgbClr val="0070C0"/>
-                </a:solidFill>
-              </a:rPr>
-              <a:t>boilerplate </a:t>
-            </a:r>
-            <a:r>
-              <a:rPr lang="en-US" dirty="0" smtClean="0">
-                <a:solidFill>
-                  <a:srgbClr val="0070C0"/>
-                </a:solidFill>
-              </a:rPr>
-              <a:t>code</a:t>
-            </a:r>
-            <a:endParaRPr lang="en-US" dirty="0" smtClean="0">
-              <a:solidFill>
-                <a:srgbClr val="0070C0"/>
-              </a:solidFill>
-            </a:endParaRPr>
           </a:p>
         </p:txBody>
       </p:sp>
@@ -21827,11 +21714,11 @@
   <p:clrMapOvr>
     <a:masterClrMapping/>
   </p:clrMapOvr>
-  <mc:AlternateContent xmlns:mc="http://schemas.openxmlformats.org/markup-compatibility/2006">
-    <mc:Choice xmlns:p14="http://schemas.microsoft.com/office/powerpoint/2010/main" Requires="p14">
+  <mc:AlternateContent xmlns:mc="http://schemas.openxmlformats.org/markup-compatibility/2006" xmlns:p14="http://schemas.microsoft.com/office/powerpoint/2010/main">
+    <mc:Choice Requires="p14">
       <p:transition p14:dur="10"/>
     </mc:Choice>
-    <mc:Fallback>
+    <mc:Fallback xmlns="">
       <p:transition/>
     </mc:Fallback>
   </mc:AlternateContent>
@@ -22255,11 +22142,7 @@
           <a:p>
             <a:r>
               <a:rPr lang="en-US" dirty="0" smtClean="0"/>
-              <a:t>Disadvantages of </a:t>
-            </a:r>
-            <a:r>
-              <a:rPr lang="en-US" dirty="0" smtClean="0"/>
-              <a:t>using Promises</a:t>
+              <a:t>Disadvantages of using Promises</a:t>
             </a:r>
             <a:endParaRPr lang="en-US" dirty="0"/>
           </a:p>
@@ -22340,11 +22223,11 @@
   <p:clrMapOvr>
     <a:masterClrMapping/>
   </p:clrMapOvr>
-  <mc:AlternateContent xmlns:mc="http://schemas.openxmlformats.org/markup-compatibility/2006">
-    <mc:Choice xmlns:p14="http://schemas.microsoft.com/office/powerpoint/2010/main" Requires="p14">
+  <mc:AlternateContent xmlns:mc="http://schemas.openxmlformats.org/markup-compatibility/2006" xmlns:p14="http://schemas.microsoft.com/office/powerpoint/2010/main">
+    <mc:Choice Requires="p14">
       <p:transition p14:dur="0"/>
     </mc:Choice>
-    <mc:Fallback>
+    <mc:Fallback xmlns="">
       <p:transition/>
     </mc:Fallback>
   </mc:AlternateContent>
